--- a/courses/cse545/slides/10-heap-3.pptx
+++ b/courses/cse545/slides/10-heap-3.pptx
@@ -363,7 +363,7 @@
           <a:p>
             <a:fld id="{F3AB0295-79D2-9643-8380-6C60B57E0778}" type="datetimeFigureOut">
               <a:rPr lang="en-US" smtClean="0"/>
-              <a:t>10/31/20</a:t>
+              <a:t>11/6/20</a:t>
             </a:fld>
             <a:endParaRPr lang="en-US"/>
           </a:p>

--- a/courses/cse545/slides/10-heap-3.pptx
+++ b/courses/cse545/slides/10-heap-3.pptx
@@ -363,7 +363,7 @@
           <a:p>
             <a:fld id="{F3AB0295-79D2-9643-8380-6C60B57E0778}" type="datetimeFigureOut">
               <a:rPr lang="en-US" smtClean="0"/>
-              <a:t>11/6/20</a:t>
+              <a:t>11/12/20</a:t>
             </a:fld>
             <a:endParaRPr lang="en-US"/>
           </a:p>
